--- a/presentation.pptx
+++ b/presentation.pptx
@@ -5,21 +5,23 @@
     <p:sldMasterId id="2147483648" r:id="rId1"/>
   </p:sldMasterIdLst>
   <p:notesMasterIdLst>
-    <p:notesMasterId r:id="rId14"/>
+    <p:notesMasterId r:id="rId16"/>
   </p:notesMasterIdLst>
   <p:sldIdLst>
     <p:sldId id="257" r:id="rId2"/>
-    <p:sldId id="335" r:id="rId3"/>
-    <p:sldId id="259" r:id="rId4"/>
+    <p:sldId id="259" r:id="rId3"/>
+    <p:sldId id="335" r:id="rId4"/>
     <p:sldId id="337" r:id="rId5"/>
     <p:sldId id="342" r:id="rId6"/>
-    <p:sldId id="343" r:id="rId7"/>
-    <p:sldId id="344" r:id="rId8"/>
-    <p:sldId id="345" r:id="rId9"/>
-    <p:sldId id="346" r:id="rId10"/>
-    <p:sldId id="341" r:id="rId11"/>
-    <p:sldId id="273" r:id="rId12"/>
-    <p:sldId id="333" r:id="rId13"/>
+    <p:sldId id="347" r:id="rId7"/>
+    <p:sldId id="348" r:id="rId8"/>
+    <p:sldId id="343" r:id="rId9"/>
+    <p:sldId id="344" r:id="rId10"/>
+    <p:sldId id="345" r:id="rId11"/>
+    <p:sldId id="346" r:id="rId12"/>
+    <p:sldId id="341" r:id="rId13"/>
+    <p:sldId id="273" r:id="rId14"/>
+    <p:sldId id="333" r:id="rId15"/>
   </p:sldIdLst>
   <p:sldSz cx="12192000" cy="6858000"/>
   <p:notesSz cx="6858000" cy="9144000"/>
@@ -613,7 +615,7 @@
           <a:p>
             <a:r>
               <a:rPr lang="ru-RU" dirty="0"/>
-              <a:t>ДОПОЛНЯТЬ СВОИМИ СЛОВАМИ</a:t>
+              <a:t>ЧИТАТЬ СЛАЙД</a:t>
             </a:r>
           </a:p>
         </p:txBody>
@@ -633,7 +635,7 @@
           <a:bodyPr/>
           <a:lstStyle/>
           <a:p>
-            <a:fld id="{3EF24591-46F7-C546-AE9F-0B2905F626D6}" type="slidenum">
+            <a:fld id="{749C27DC-7686-5744-96F8-D63C3A9A1591}" type="slidenum">
               <a:rPr lang="ru-RU" smtClean="0"/>
               <a:t>2</a:t>
             </a:fld>
@@ -644,7 +646,7 @@
     </p:spTree>
     <p:extLst>
       <p:ext uri="{BB962C8B-B14F-4D97-AF65-F5344CB8AC3E}">
-        <p14:creationId xmlns:p14="http://schemas.microsoft.com/office/powerpoint/2010/main" val="1718452411"/>
+        <p14:creationId xmlns:p14="http://schemas.microsoft.com/office/powerpoint/2010/main" val="2117155451"/>
       </p:ext>
     </p:extLst>
   </p:cSld>
@@ -700,7 +702,7 @@
           <a:p>
             <a:r>
               <a:rPr lang="ru-RU" dirty="0"/>
-              <a:t>ЧИТАТЬ СЛАЙД</a:t>
+              <a:t>ДОПОЛНЯТЬ СВОИМИ СЛОВАМИ</a:t>
             </a:r>
           </a:p>
         </p:txBody>
@@ -720,7 +722,7 @@
           <a:bodyPr/>
           <a:lstStyle/>
           <a:p>
-            <a:fld id="{749C27DC-7686-5744-96F8-D63C3A9A1591}" type="slidenum">
+            <a:fld id="{3EF24591-46F7-C546-AE9F-0B2905F626D6}" type="slidenum">
               <a:rPr lang="ru-RU" smtClean="0"/>
               <a:t>3</a:t>
             </a:fld>
@@ -731,7 +733,7 @@
     </p:spTree>
     <p:extLst>
       <p:ext uri="{BB962C8B-B14F-4D97-AF65-F5344CB8AC3E}">
-        <p14:creationId xmlns:p14="http://schemas.microsoft.com/office/powerpoint/2010/main" val="2117155451"/>
+        <p14:creationId xmlns:p14="http://schemas.microsoft.com/office/powerpoint/2010/main" val="1718452411"/>
       </p:ext>
     </p:extLst>
   </p:cSld>
@@ -786,57 +788,114 @@
           <a:lstStyle/>
           <a:p>
             <a:r>
+              <a:rPr lang="ru-RU" dirty="0"/>
+              <a:t>Подход один-к-одному для решения задачи </a:t>
+            </a:r>
+            <a:r>
+              <a:rPr lang="ru-RU" dirty="0" err="1"/>
+              <a:t>мультиклассовой</a:t>
+            </a:r>
+            <a:r>
+              <a:rPr lang="ru-RU" dirty="0"/>
+              <a:t> классификации разбивает входящие данные на пары классов, для которых уже применяется бинарная классификация.</a:t>
+            </a:r>
+            <a:endParaRPr lang="en-US" dirty="0"/>
+          </a:p>
+          <a:p>
+            <a:endParaRPr lang="ru-RU" dirty="0"/>
+          </a:p>
+          <a:p>
+            <a:r>
+              <a:rPr lang="ru-RU" dirty="0"/>
+              <a:t>Количество классов определяется при помощи строчки кода«</a:t>
+            </a:r>
+            <a:r>
               <a:rPr lang="en-US" dirty="0"/>
-              <a:t>Accuracy – </a:t>
+              <a:t>label = </a:t>
+            </a:r>
+            <a:r>
+              <a:rPr lang="en-US" dirty="0" err="1"/>
+              <a:t>pd.get_dummies</a:t>
+            </a:r>
+            <a:r>
+              <a:rPr lang="en-US" dirty="0"/>
+              <a:t>(</a:t>
+            </a:r>
+            <a:r>
+              <a:rPr lang="en-US" dirty="0" err="1"/>
+              <a:t>f_dataset</a:t>
+            </a:r>
+            <a:r>
+              <a:rPr lang="en-US" dirty="0"/>
+              <a:t>['</a:t>
+            </a:r>
+            <a:r>
+              <a:rPr lang="en-US" dirty="0" err="1"/>
+              <a:t>ProtocolName</a:t>
+            </a:r>
+            <a:r>
+              <a:rPr lang="en-US" dirty="0"/>
+              <a:t>’])</a:t>
             </a:r>
             <a:r>
               <a:rPr lang="ru-RU" dirty="0"/>
-              <a:t>Корректно предсказанные </a:t>
+              <a:t>».</a:t>
+            </a:r>
+          </a:p>
+          <a:p>
+            <a:r>
+              <a:rPr lang="ru-RU" dirty="0"/>
+              <a:t>Функция </a:t>
+            </a:r>
+            <a:r>
+              <a:rPr lang="en-US" dirty="0" err="1"/>
+              <a:t>softmax</a:t>
             </a:r>
             <a:r>
               <a:rPr lang="en-US" dirty="0"/>
-              <a:t>/ </a:t>
+              <a:t> </a:t>
             </a:r>
             <a:r>
               <a:rPr lang="ru-RU" dirty="0"/>
-              <a:t>Все значения</a:t>
-            </a:r>
-            <a:endParaRPr lang="en-US" dirty="0"/>
-          </a:p>
-          <a:p>
+              <a:t>выдаёт вероятность принадлежности рассматриваемых данных к одному из классов. Результат выдаётся в виде от 0 до 1.</a:t>
+            </a:r>
+          </a:p>
+          <a:p>
+            <a:r>
+              <a:rPr lang="ru-RU" dirty="0"/>
+              <a:t>Функция </a:t>
+            </a:r>
             <a:r>
               <a:rPr lang="en-US" dirty="0"/>
-              <a:t>Precision –</a:t>
+              <a:t>tanh </a:t>
             </a:r>
             <a:r>
               <a:rPr lang="ru-RU" dirty="0"/>
-              <a:t> Корректно предсказанные ПОЛОЖИТЕЛЬНЫЕ значения </a:t>
+              <a:t>выбрана, так как в решаемой задаче она показывает наилучшие результаты. </a:t>
             </a:r>
             <a:r>
               <a:rPr lang="en-US" dirty="0"/>
-              <a:t>/ </a:t>
+              <a:t>(</a:t>
             </a:r>
             <a:r>
               <a:rPr lang="ru-RU" dirty="0"/>
-              <a:t>Все ПОЛОЖИТЕЛЬНЫЕ значения</a:t>
-            </a:r>
-          </a:p>
-          <a:p>
+              <a:t>На всякий случай:</a:t>
+            </a:r>
             <a:r>
               <a:rPr lang="en-US" dirty="0"/>
-              <a:t>Recall (</a:t>
+              <a:t> tanh </a:t>
             </a:r>
             <a:r>
               <a:rPr lang="ru-RU" dirty="0"/>
-              <a:t>полнота) – Корректно предсказанные </a:t>
+              <a:t>быстрее находит по градиентному спуску</a:t>
             </a:r>
             <a:r>
               <a:rPr lang="en-US" dirty="0"/>
-              <a:t>/ </a:t>
+              <a:t>)</a:t>
             </a:r>
             <a:r>
               <a:rPr lang="ru-RU" dirty="0"/>
-              <a:t>Верно-Положительные и Ложно-Отрицательные</a:t>
+              <a:t>.</a:t>
             </a:r>
           </a:p>
         </p:txBody>
@@ -858,7 +917,7 @@
           <a:p>
             <a:fld id="{3EF24591-46F7-C546-AE9F-0B2905F626D6}" type="slidenum">
               <a:rPr lang="ru-RU" smtClean="0"/>
-              <a:t>9</a:t>
+              <a:t>6</a:t>
             </a:fld>
             <a:endParaRPr lang="ru-RU"/>
           </a:p>
@@ -867,7 +926,7 @@
     </p:spTree>
     <p:extLst>
       <p:ext uri="{BB962C8B-B14F-4D97-AF65-F5344CB8AC3E}">
-        <p14:creationId xmlns:p14="http://schemas.microsoft.com/office/powerpoint/2010/main" val="3385495158"/>
+        <p14:creationId xmlns:p14="http://schemas.microsoft.com/office/powerpoint/2010/main" val="2499992101"/>
       </p:ext>
     </p:extLst>
   </p:cSld>
@@ -922,6 +981,142 @@
           <a:lstStyle/>
           <a:p>
             <a:r>
+              <a:rPr lang="en-US" dirty="0"/>
+              <a:t>Accuracy – </a:t>
+            </a:r>
+            <a:r>
+              <a:rPr lang="ru-RU" dirty="0"/>
+              <a:t>Корректно предсказанные </a:t>
+            </a:r>
+            <a:r>
+              <a:rPr lang="en-US" dirty="0"/>
+              <a:t>/ </a:t>
+            </a:r>
+            <a:r>
+              <a:rPr lang="ru-RU" dirty="0"/>
+              <a:t>Все значения</a:t>
+            </a:r>
+            <a:endParaRPr lang="en-US" dirty="0"/>
+          </a:p>
+          <a:p>
+            <a:r>
+              <a:rPr lang="en-US" dirty="0"/>
+              <a:t>Precision –</a:t>
+            </a:r>
+            <a:r>
+              <a:rPr lang="ru-RU" dirty="0"/>
+              <a:t> Корректно предсказанные ПОЛОЖИТЕЛЬНЫЕ значения </a:t>
+            </a:r>
+            <a:r>
+              <a:rPr lang="en-US" dirty="0"/>
+              <a:t>/ </a:t>
+            </a:r>
+            <a:r>
+              <a:rPr lang="ru-RU" dirty="0"/>
+              <a:t>Все ПОЛОЖИТЕЛЬНЫЕ значения</a:t>
+            </a:r>
+          </a:p>
+          <a:p>
+            <a:r>
+              <a:rPr lang="en-US" dirty="0"/>
+              <a:t>Recall (</a:t>
+            </a:r>
+            <a:r>
+              <a:rPr lang="ru-RU" dirty="0"/>
+              <a:t>полнота) – Корректно предсказанные </a:t>
+            </a:r>
+            <a:r>
+              <a:rPr lang="en-US" dirty="0"/>
+              <a:t>/ </a:t>
+            </a:r>
+            <a:r>
+              <a:rPr lang="ru-RU" dirty="0"/>
+              <a:t>Верно-Положительные и Ложно-Отрицательные</a:t>
+            </a:r>
+          </a:p>
+        </p:txBody>
+      </p:sp>
+      <p:sp>
+        <p:nvSpPr>
+          <p:cNvPr id="4" name="Номер слайда 3"/>
+          <p:cNvSpPr>
+            <a:spLocks noGrp="1"/>
+          </p:cNvSpPr>
+          <p:nvPr>
+            <p:ph type="sldNum" sz="quarter" idx="5"/>
+          </p:nvPr>
+        </p:nvSpPr>
+        <p:spPr/>
+        <p:txBody>
+          <a:bodyPr/>
+          <a:lstStyle/>
+          <a:p>
+            <a:fld id="{3EF24591-46F7-C546-AE9F-0B2905F626D6}" type="slidenum">
+              <a:rPr lang="ru-RU" smtClean="0"/>
+              <a:t>11</a:t>
+            </a:fld>
+            <a:endParaRPr lang="ru-RU"/>
+          </a:p>
+        </p:txBody>
+      </p:sp>
+    </p:spTree>
+    <p:extLst>
+      <p:ext uri="{BB962C8B-B14F-4D97-AF65-F5344CB8AC3E}">
+        <p14:creationId xmlns:p14="http://schemas.microsoft.com/office/powerpoint/2010/main" val="3385495158"/>
+      </p:ext>
+    </p:extLst>
+  </p:cSld>
+  <p:clrMapOvr>
+    <a:masterClrMapping/>
+  </p:clrMapOvr>
+</p:notes>
+</file>
+
+<file path=ppt/notesSlides/notesSlide6.xml><?xml version="1.0" encoding="utf-8"?>
+<p:notes xmlns:a="http://schemas.openxmlformats.org/drawingml/2006/main" xmlns:r="http://schemas.openxmlformats.org/officeDocument/2006/relationships" xmlns:p="http://schemas.openxmlformats.org/presentationml/2006/main">
+  <p:cSld>
+    <p:spTree>
+      <p:nvGrpSpPr>
+        <p:cNvPr id="1" name=""/>
+        <p:cNvGrpSpPr/>
+        <p:nvPr/>
+      </p:nvGrpSpPr>
+      <p:grpSpPr>
+        <a:xfrm>
+          <a:off x="0" y="0"/>
+          <a:ext cx="0" cy="0"/>
+          <a:chOff x="0" y="0"/>
+          <a:chExt cx="0" cy="0"/>
+        </a:xfrm>
+      </p:grpSpPr>
+      <p:sp>
+        <p:nvSpPr>
+          <p:cNvPr id="2" name="Образ слайда 1"/>
+          <p:cNvSpPr>
+            <a:spLocks noGrp="1" noRot="1" noChangeAspect="1"/>
+          </p:cNvSpPr>
+          <p:nvPr>
+            <p:ph type="sldImg"/>
+          </p:nvPr>
+        </p:nvSpPr>
+        <p:spPr/>
+      </p:sp>
+      <p:sp>
+        <p:nvSpPr>
+          <p:cNvPr id="3" name="Заметки 2"/>
+          <p:cNvSpPr>
+            <a:spLocks noGrp="1"/>
+          </p:cNvSpPr>
+          <p:nvPr>
+            <p:ph type="body" idx="1"/>
+          </p:nvPr>
+        </p:nvSpPr>
+        <p:spPr/>
+        <p:txBody>
+          <a:bodyPr/>
+          <a:lstStyle/>
+          <a:p>
+            <a:r>
               <a:rPr lang="ru-RU" dirty="0"/>
               <a:t>ЧИТАТЬ СЛАЙД</a:t>
             </a:r>
@@ -945,7 +1140,7 @@
           <a:p>
             <a:fld id="{96C70FB7-53E1-2841-B9B0-E15B55A51590}" type="slidenum">
               <a:rPr lang="ru-RU" smtClean="0"/>
-              <a:t>11</a:t>
+              <a:t>13</a:t>
             </a:fld>
             <a:endParaRPr lang="ru-RU"/>
           </a:p>
@@ -4645,7 +4840,7 @@
           <p:cNvPr id="2" name="Заголовок 1">
             <a:extLst>
               <a:ext uri="{FF2B5EF4-FFF2-40B4-BE49-F238E27FC236}">
-                <a16:creationId xmlns:a16="http://schemas.microsoft.com/office/drawing/2014/main" id="{F03B7F79-8429-6FDE-3913-942715ABC317}"/>
+                <a16:creationId xmlns:a16="http://schemas.microsoft.com/office/drawing/2014/main" id="{1500B016-9511-0E65-DD8A-602EB9273B95}"/>
               </a:ext>
             </a:extLst>
           </p:cNvPr>
@@ -4656,15 +4851,35 @@
             <p:ph type="title"/>
           </p:nvPr>
         </p:nvSpPr>
-        <p:spPr/>
-        <p:txBody>
-          <a:bodyPr/>
-          <a:lstStyle/>
-          <a:p>
-            <a:r>
-              <a:rPr lang="ru-RU" dirty="0"/>
-              <a:t>Точность определения конкретных приложений</a:t>
-            </a:r>
+        <p:spPr>
+          <a:xfrm>
+            <a:off x="838200" y="-67126"/>
+            <a:ext cx="10515600" cy="1325563"/>
+          </a:xfrm>
+        </p:spPr>
+        <p:txBody>
+          <a:bodyPr/>
+          <a:lstStyle/>
+          <a:p>
+            <a:r>
+              <a:rPr lang="ru-RU" dirty="0">
+                <a:cs typeface="Calibri Light"/>
+              </a:rPr>
+              <a:t>Наиболее часто встречающиеся </a:t>
+            </a:r>
+            <a:r>
+              <a:rPr lang="en-US" dirty="0">
+                <a:cs typeface="Calibri Light"/>
+              </a:rPr>
+              <a:t>IP</a:t>
+            </a:r>
+            <a:r>
+              <a:rPr lang="ru-RU" dirty="0">
+                <a:cs typeface="Calibri Light"/>
+              </a:rPr>
+              <a:t> </a:t>
+            </a:r>
+            <a:endParaRPr lang="ru-RU" dirty="0"/>
           </a:p>
         </p:txBody>
       </p:sp>
@@ -4673,7 +4888,7 @@
           <p:cNvPr id="4" name="Номер слайда 3">
             <a:extLst>
               <a:ext uri="{FF2B5EF4-FFF2-40B4-BE49-F238E27FC236}">
-                <a16:creationId xmlns:a16="http://schemas.microsoft.com/office/drawing/2014/main" id="{8C997375-39A6-3CA3-A4D8-341F86D52BC8}"/>
+                <a16:creationId xmlns:a16="http://schemas.microsoft.com/office/drawing/2014/main" id="{48F279A0-27FA-61CE-3F5A-F011C5B3C4AF}"/>
               </a:ext>
             </a:extLst>
           </p:cNvPr>
@@ -4692,6 +4907,288 @@
             <a:fld id="{CA92B08B-6CDC-554D-8A7F-973FAB7E96DE}" type="slidenum">
               <a:rPr lang="ru-RU" smtClean="0"/>
               <a:t>10</a:t>
+            </a:fld>
+            <a:endParaRPr lang="ru-RU"/>
+          </a:p>
+        </p:txBody>
+      </p:sp>
+      <p:pic>
+        <p:nvPicPr>
+          <p:cNvPr id="5" name="Рисунок 4">
+            <a:extLst>
+              <a:ext uri="{FF2B5EF4-FFF2-40B4-BE49-F238E27FC236}">
+                <a16:creationId xmlns:a16="http://schemas.microsoft.com/office/drawing/2014/main" id="{0174969D-8A96-4113-A52E-83CC93C3EF47}"/>
+              </a:ext>
+            </a:extLst>
+          </p:cNvPr>
+          <p:cNvPicPr/>
+          <p:nvPr/>
+        </p:nvPicPr>
+        <p:blipFill>
+          <a:blip r:embed="rId2">
+            <a:extLst>
+              <a:ext uri="{28A0092B-C50C-407E-A947-70E740481C1C}">
+                <a14:useLocalDpi xmlns:a14="http://schemas.microsoft.com/office/drawing/2010/main" val="0"/>
+              </a:ext>
+            </a:extLst>
+          </a:blip>
+          <a:srcRect/>
+          <a:stretch>
+            <a:fillRect/>
+          </a:stretch>
+        </p:blipFill>
+        <p:spPr bwMode="auto">
+          <a:xfrm>
+            <a:off x="0" y="1820731"/>
+            <a:ext cx="5931535" cy="3506470"/>
+          </a:xfrm>
+          <a:prstGeom prst="rect">
+            <a:avLst/>
+          </a:prstGeom>
+          <a:noFill/>
+          <a:ln>
+            <a:noFill/>
+          </a:ln>
+        </p:spPr>
+      </p:pic>
+      <p:pic>
+        <p:nvPicPr>
+          <p:cNvPr id="6" name="Рисунок 5">
+            <a:extLst>
+              <a:ext uri="{FF2B5EF4-FFF2-40B4-BE49-F238E27FC236}">
+                <a16:creationId xmlns:a16="http://schemas.microsoft.com/office/drawing/2014/main" id="{3A6B4808-834F-4E61-AFA2-DEA1626042BF}"/>
+              </a:ext>
+            </a:extLst>
+          </p:cNvPr>
+          <p:cNvPicPr/>
+          <p:nvPr/>
+        </p:nvPicPr>
+        <p:blipFill>
+          <a:blip r:embed="rId3">
+            <a:extLst>
+              <a:ext uri="{28A0092B-C50C-407E-A947-70E740481C1C}">
+                <a14:useLocalDpi xmlns:a14="http://schemas.microsoft.com/office/drawing/2010/main" val="0"/>
+              </a:ext>
+            </a:extLst>
+          </a:blip>
+          <a:srcRect/>
+          <a:stretch>
+            <a:fillRect/>
+          </a:stretch>
+        </p:blipFill>
+        <p:spPr bwMode="auto">
+          <a:xfrm>
+            <a:off x="5931535" y="1820731"/>
+            <a:ext cx="5931535" cy="3506470"/>
+          </a:xfrm>
+          <a:prstGeom prst="rect">
+            <a:avLst/>
+          </a:prstGeom>
+          <a:noFill/>
+          <a:ln>
+            <a:noFill/>
+          </a:ln>
+        </p:spPr>
+      </p:pic>
+    </p:spTree>
+    <p:extLst>
+      <p:ext uri="{BB962C8B-B14F-4D97-AF65-F5344CB8AC3E}">
+        <p14:creationId xmlns:p14="http://schemas.microsoft.com/office/powerpoint/2010/main" val="3491014035"/>
+      </p:ext>
+    </p:extLst>
+  </p:cSld>
+  <p:clrMapOvr>
+    <a:masterClrMapping/>
+  </p:clrMapOvr>
+</p:sld>
+</file>
+
+<file path=ppt/slides/slide11.xml><?xml version="1.0" encoding="utf-8"?>
+<p:sld xmlns:a="http://schemas.openxmlformats.org/drawingml/2006/main" xmlns:r="http://schemas.openxmlformats.org/officeDocument/2006/relationships" xmlns:p="http://schemas.openxmlformats.org/presentationml/2006/main">
+  <p:cSld>
+    <p:spTree>
+      <p:nvGrpSpPr>
+        <p:cNvPr id="1" name=""/>
+        <p:cNvGrpSpPr/>
+        <p:nvPr/>
+      </p:nvGrpSpPr>
+      <p:grpSpPr>
+        <a:xfrm>
+          <a:off x="0" y="0"/>
+          <a:ext cx="0" cy="0"/>
+          <a:chOff x="0" y="0"/>
+          <a:chExt cx="0" cy="0"/>
+        </a:xfrm>
+      </p:grpSpPr>
+      <p:sp>
+        <p:nvSpPr>
+          <p:cNvPr id="2" name="Заголовок 1">
+            <a:extLst>
+              <a:ext uri="{FF2B5EF4-FFF2-40B4-BE49-F238E27FC236}">
+                <a16:creationId xmlns:a16="http://schemas.microsoft.com/office/drawing/2014/main" id="{C114721D-A187-9761-6387-4A79412CFF5D}"/>
+              </a:ext>
+            </a:extLst>
+          </p:cNvPr>
+          <p:cNvSpPr>
+            <a:spLocks noGrp="1"/>
+          </p:cNvSpPr>
+          <p:nvPr>
+            <p:ph type="title"/>
+          </p:nvPr>
+        </p:nvSpPr>
+        <p:spPr/>
+        <p:txBody>
+          <a:bodyPr/>
+          <a:lstStyle/>
+          <a:p>
+            <a:r>
+              <a:rPr lang="ru-RU" dirty="0"/>
+              <a:t>Результаты обучения нейронной сети</a:t>
+            </a:r>
+          </a:p>
+        </p:txBody>
+      </p:sp>
+      <p:sp>
+        <p:nvSpPr>
+          <p:cNvPr id="4" name="Номер слайда 3">
+            <a:extLst>
+              <a:ext uri="{FF2B5EF4-FFF2-40B4-BE49-F238E27FC236}">
+                <a16:creationId xmlns:a16="http://schemas.microsoft.com/office/drawing/2014/main" id="{DE154659-FFDD-0A6D-91A8-968CFD4EA898}"/>
+              </a:ext>
+            </a:extLst>
+          </p:cNvPr>
+          <p:cNvSpPr>
+            <a:spLocks noGrp="1"/>
+          </p:cNvSpPr>
+          <p:nvPr>
+            <p:ph type="sldNum" sz="quarter" idx="12"/>
+          </p:nvPr>
+        </p:nvSpPr>
+        <p:spPr/>
+        <p:txBody>
+          <a:bodyPr/>
+          <a:lstStyle/>
+          <a:p>
+            <a:fld id="{CA92B08B-6CDC-554D-8A7F-973FAB7E96DE}" type="slidenum">
+              <a:rPr lang="ru-RU" smtClean="0"/>
+              <a:t>11</a:t>
+            </a:fld>
+            <a:endParaRPr lang="ru-RU"/>
+          </a:p>
+        </p:txBody>
+      </p:sp>
+      <p:pic>
+        <p:nvPicPr>
+          <p:cNvPr id="6" name="Рисунок 5">
+            <a:extLst>
+              <a:ext uri="{FF2B5EF4-FFF2-40B4-BE49-F238E27FC236}">
+                <a16:creationId xmlns:a16="http://schemas.microsoft.com/office/drawing/2014/main" id="{08C2E2B1-3CDE-49AA-B9C1-97FA3781A19C}"/>
+              </a:ext>
+            </a:extLst>
+          </p:cNvPr>
+          <p:cNvPicPr>
+            <a:picLocks noChangeAspect="1"/>
+          </p:cNvPicPr>
+          <p:nvPr/>
+        </p:nvPicPr>
+        <p:blipFill>
+          <a:blip r:embed="rId3"/>
+          <a:stretch>
+            <a:fillRect/>
+          </a:stretch>
+        </p:blipFill>
+        <p:spPr>
+          <a:xfrm>
+            <a:off x="1451517" y="1349401"/>
+            <a:ext cx="5780872" cy="5536477"/>
+          </a:xfrm>
+          <a:prstGeom prst="rect">
+            <a:avLst/>
+          </a:prstGeom>
+        </p:spPr>
+      </p:pic>
+    </p:spTree>
+    <p:extLst>
+      <p:ext uri="{BB962C8B-B14F-4D97-AF65-F5344CB8AC3E}">
+        <p14:creationId xmlns:p14="http://schemas.microsoft.com/office/powerpoint/2010/main" val="2823353257"/>
+      </p:ext>
+    </p:extLst>
+  </p:cSld>
+  <p:clrMapOvr>
+    <a:masterClrMapping/>
+  </p:clrMapOvr>
+</p:sld>
+</file>
+
+<file path=ppt/slides/slide12.xml><?xml version="1.0" encoding="utf-8"?>
+<p:sld xmlns:a="http://schemas.openxmlformats.org/drawingml/2006/main" xmlns:r="http://schemas.openxmlformats.org/officeDocument/2006/relationships" xmlns:p="http://schemas.openxmlformats.org/presentationml/2006/main">
+  <p:cSld>
+    <p:spTree>
+      <p:nvGrpSpPr>
+        <p:cNvPr id="1" name=""/>
+        <p:cNvGrpSpPr/>
+        <p:nvPr/>
+      </p:nvGrpSpPr>
+      <p:grpSpPr>
+        <a:xfrm>
+          <a:off x="0" y="0"/>
+          <a:ext cx="0" cy="0"/>
+          <a:chOff x="0" y="0"/>
+          <a:chExt cx="0" cy="0"/>
+        </a:xfrm>
+      </p:grpSpPr>
+      <p:sp>
+        <p:nvSpPr>
+          <p:cNvPr id="2" name="Заголовок 1">
+            <a:extLst>
+              <a:ext uri="{FF2B5EF4-FFF2-40B4-BE49-F238E27FC236}">
+                <a16:creationId xmlns:a16="http://schemas.microsoft.com/office/drawing/2014/main" id="{F03B7F79-8429-6FDE-3913-942715ABC317}"/>
+              </a:ext>
+            </a:extLst>
+          </p:cNvPr>
+          <p:cNvSpPr>
+            <a:spLocks noGrp="1"/>
+          </p:cNvSpPr>
+          <p:nvPr>
+            <p:ph type="title"/>
+          </p:nvPr>
+        </p:nvSpPr>
+        <p:spPr/>
+        <p:txBody>
+          <a:bodyPr/>
+          <a:lstStyle/>
+          <a:p>
+            <a:r>
+              <a:rPr lang="ru-RU" dirty="0"/>
+              <a:t>Точность определения конкретных приложений</a:t>
+            </a:r>
+          </a:p>
+        </p:txBody>
+      </p:sp>
+      <p:sp>
+        <p:nvSpPr>
+          <p:cNvPr id="4" name="Номер слайда 3">
+            <a:extLst>
+              <a:ext uri="{FF2B5EF4-FFF2-40B4-BE49-F238E27FC236}">
+                <a16:creationId xmlns:a16="http://schemas.microsoft.com/office/drawing/2014/main" id="{8C997375-39A6-3CA3-A4D8-341F86D52BC8}"/>
+              </a:ext>
+            </a:extLst>
+          </p:cNvPr>
+          <p:cNvSpPr>
+            <a:spLocks noGrp="1"/>
+          </p:cNvSpPr>
+          <p:nvPr>
+            <p:ph type="sldNum" sz="quarter" idx="12"/>
+          </p:nvPr>
+        </p:nvSpPr>
+        <p:spPr/>
+        <p:txBody>
+          <a:bodyPr/>
+          <a:lstStyle/>
+          <a:p>
+            <a:fld id="{CA92B08B-6CDC-554D-8A7F-973FAB7E96DE}" type="slidenum">
+              <a:rPr lang="ru-RU" smtClean="0"/>
+              <a:t>12</a:t>
             </a:fld>
             <a:endParaRPr lang="ru-RU"/>
           </a:p>
@@ -4918,7 +5415,7 @@
 </p:sld>
 </file>
 
-<file path=ppt/slides/slide11.xml><?xml version="1.0" encoding="utf-8"?>
+<file path=ppt/slides/slide13.xml><?xml version="1.0" encoding="utf-8"?>
 <p:sld xmlns:a="http://schemas.openxmlformats.org/drawingml/2006/main" xmlns:r="http://schemas.openxmlformats.org/officeDocument/2006/relationships" xmlns:p="http://schemas.openxmlformats.org/presentationml/2006/main">
   <p:cSld>
     <p:spTree>
@@ -5064,7 +5561,7 @@
           <a:p>
             <a:fld id="{73CE9A34-FFFD-E54D-BBF9-BD8AA3872269}" type="slidenum">
               <a:rPr lang="ru-RU" sz="1400" smtClean="0"/>
-              <a:t>11</a:t>
+              <a:t>13</a:t>
             </a:fld>
             <a:endParaRPr lang="ru-RU" sz="1400"/>
           </a:p>
@@ -5083,7 +5580,7 @@
 </p:sld>
 </file>
 
-<file path=ppt/slides/slide12.xml><?xml version="1.0" encoding="utf-8"?>
+<file path=ppt/slides/slide14.xml><?xml version="1.0" encoding="utf-8"?>
 <p:sld xmlns:a="http://schemas.openxmlformats.org/drawingml/2006/main" xmlns:r="http://schemas.openxmlformats.org/officeDocument/2006/relationships" xmlns:p="http://schemas.openxmlformats.org/presentationml/2006/main">
   <p:cSld>
     <p:spTree>
@@ -5123,7 +5620,7 @@
           <a:p>
             <a:fld id="{CA92B08B-6CDC-554D-8A7F-973FAB7E96DE}" type="slidenum">
               <a:rPr lang="ru-RU" smtClean="0"/>
-              <a:t>12</a:t>
+              <a:t>14</a:t>
             </a:fld>
             <a:endParaRPr lang="ru-RU"/>
           </a:p>
@@ -5199,7 +5696,7 @@
           <p:cNvPr id="2" name="Заголовок 1">
             <a:extLst>
               <a:ext uri="{FF2B5EF4-FFF2-40B4-BE49-F238E27FC236}">
-                <a16:creationId xmlns:a16="http://schemas.microsoft.com/office/drawing/2014/main" id="{BEA4845B-2477-6BFC-32A9-54BCEA5E4324}"/>
+                <a16:creationId xmlns:a16="http://schemas.microsoft.com/office/drawing/2014/main" id="{B2DA2649-7E57-A04A-BFDC-D7B81EC7984E}"/>
               </a:ext>
             </a:extLst>
           </p:cNvPr>
@@ -5216,12 +5713,9 @@
           <a:lstStyle/>
           <a:p>
             <a:r>
-              <a:rPr lang="ru-RU" dirty="0">
-                <a:cs typeface="Calibri Light"/>
-              </a:rPr>
-              <a:t>Актуальность и проблема</a:t>
-            </a:r>
-            <a:endParaRPr lang="ru-RU" dirty="0"/>
+              <a:rPr lang="ru-RU" dirty="0"/>
+              <a:t>Цель и задачи, решаемые в работе</a:t>
+            </a:r>
           </a:p>
         </p:txBody>
       </p:sp>
@@ -5230,7 +5724,7 @@
           <p:cNvPr id="3" name="Объект 2">
             <a:extLst>
               <a:ext uri="{FF2B5EF4-FFF2-40B4-BE49-F238E27FC236}">
-                <a16:creationId xmlns:a16="http://schemas.microsoft.com/office/drawing/2014/main" id="{85974AFA-02FA-C037-D9A9-1F533DF6E629}"/>
+                <a16:creationId xmlns:a16="http://schemas.microsoft.com/office/drawing/2014/main" id="{39FED4F3-3ED2-2648-A199-C4EFDB362656}"/>
               </a:ext>
             </a:extLst>
           </p:cNvPr>
@@ -5244,34 +5738,58 @@
         <p:spPr/>
         <p:txBody>
           <a:bodyPr vert="horz" lIns="91440" tIns="45720" rIns="91440" bIns="45720" rtlCol="0" anchor="t">
-            <a:normAutofit/>
+            <a:normAutofit lnSpcReduction="10000"/>
           </a:bodyPr>
           <a:lstStyle/>
           <a:p>
+            <a:pPr marL="0" indent="0" algn="just" fontAlgn="base">
+              <a:buNone/>
+            </a:pPr>
+            <a:r>
+              <a:rPr lang="ru-RU" b="1" dirty="0"/>
+              <a:t>Целью выпускной квалификационной работы </a:t>
+            </a:r>
+            <a:r>
+              <a:rPr lang="ru-RU" dirty="0"/>
+              <a:t>является разработка моделей машинного обучения для классификации сетевого трафика.</a:t>
+            </a:r>
+          </a:p>
+          <a:p>
+            <a:pPr marL="0" indent="0" algn="just" fontAlgn="base">
+              <a:buNone/>
+            </a:pPr>
+            <a:r>
+              <a:rPr lang="ru-RU" dirty="0"/>
+              <a:t>Для достижения поставленной цели в работе сформулированы следующие основные задачи:</a:t>
+            </a:r>
+            <a:endParaRPr lang="en-US" dirty="0"/>
+          </a:p>
+          <a:p>
+            <a:pPr algn="just"/>
+            <a:r>
+              <a:rPr lang="ru-RU" dirty="0"/>
+              <a:t>Сделать обзор существующих решений для анализа трафика;</a:t>
+            </a:r>
+            <a:endParaRPr lang="ru-RU" dirty="0">
+              <a:cs typeface="Calibri"/>
+            </a:endParaRPr>
+          </a:p>
+          <a:p>
+            <a:pPr algn="just"/>
             <a:r>
               <a:rPr lang="ru-RU" dirty="0">
                 <a:cs typeface="Calibri"/>
               </a:rPr>
-              <a:t>Одна из существующих проблем сетей – это предоставление недостаточного качества обслуживания и сложности с детектированием атак или трафика вредоносного ПО.</a:t>
-            </a:r>
-          </a:p>
-          <a:p>
-            <a:r>
-              <a:rPr lang="ru-RU" dirty="0">
-                <a:cs typeface="Calibri"/>
-              </a:rPr>
-              <a:t>Главной задачей является реализация моделей машинного обучения для классификации трафика.</a:t>
-            </a:r>
-          </a:p>
-          <a:p>
-            <a:r>
-              <a:rPr lang="ru-RU" dirty="0">
-                <a:cs typeface="Calibri"/>
-              </a:rPr>
-              <a:t>Сети, виды трафика, атаки злоумышленников бесконечно развиваются и становятся сложнее, поэтому технологии классификации и анализа трафика должны адаптироваться, чтобы и дальше успешно выполнять свою работу, этим обусловлена актуальность данной темы.</a:t>
+              <a:t>Исследовать методы машинного обучения, используемые для классификации трафика;</a:t>
+            </a:r>
+          </a:p>
+          <a:p>
+            <a:pPr algn="just"/>
+            <a:r>
+              <a:rPr lang="ru-RU" dirty="0"/>
+              <a:t>Реализация моделей машинного обучения для классификации трафика.</a:t>
             </a:r>
             <a:endParaRPr lang="ru-RU" dirty="0">
-              <a:ea typeface="Calibri"/>
               <a:cs typeface="Calibri"/>
             </a:endParaRPr>
           </a:p>
@@ -5282,7 +5800,7 @@
           <p:cNvPr id="4" name="Номер слайда 3">
             <a:extLst>
               <a:ext uri="{FF2B5EF4-FFF2-40B4-BE49-F238E27FC236}">
-                <a16:creationId xmlns:a16="http://schemas.microsoft.com/office/drawing/2014/main" id="{A0B603CB-AB5C-282D-F5ED-0536B515684E}"/>
+                <a16:creationId xmlns:a16="http://schemas.microsoft.com/office/drawing/2014/main" id="{B2EF8005-6F5D-BE40-84E7-51C7BD364209}"/>
               </a:ext>
             </a:extLst>
           </p:cNvPr>
@@ -5298,18 +5816,18 @@
           <a:bodyPr/>
           <a:lstStyle/>
           <a:p>
-            <a:fld id="{CA92B08B-6CDC-554D-8A7F-973FAB7E96DE}" type="slidenum">
-              <a:rPr lang="ru-RU" smtClean="0"/>
+            <a:fld id="{F53BF987-056C-4344-B7AC-6E235C773473}" type="slidenum">
+              <a:rPr lang="ru-RU" sz="1400" smtClean="0"/>
               <a:t>2</a:t>
             </a:fld>
-            <a:endParaRPr lang="ru-RU"/>
+            <a:endParaRPr lang="ru-RU" sz="1400"/>
           </a:p>
         </p:txBody>
       </p:sp>
     </p:spTree>
     <p:extLst>
       <p:ext uri="{BB962C8B-B14F-4D97-AF65-F5344CB8AC3E}">
-        <p14:creationId xmlns:p14="http://schemas.microsoft.com/office/powerpoint/2010/main" val="349525470"/>
+        <p14:creationId xmlns:p14="http://schemas.microsoft.com/office/powerpoint/2010/main" val="698901468"/>
       </p:ext>
     </p:extLst>
   </p:cSld>
@@ -5341,7 +5859,7 @@
           <p:cNvPr id="2" name="Заголовок 1">
             <a:extLst>
               <a:ext uri="{FF2B5EF4-FFF2-40B4-BE49-F238E27FC236}">
-                <a16:creationId xmlns:a16="http://schemas.microsoft.com/office/drawing/2014/main" id="{B2DA2649-7E57-A04A-BFDC-D7B81EC7984E}"/>
+                <a16:creationId xmlns:a16="http://schemas.microsoft.com/office/drawing/2014/main" id="{BEA4845B-2477-6BFC-32A9-54BCEA5E4324}"/>
               </a:ext>
             </a:extLst>
           </p:cNvPr>
@@ -5358,9 +5876,12 @@
           <a:lstStyle/>
           <a:p>
             <a:r>
-              <a:rPr lang="ru-RU" dirty="0"/>
-              <a:t>Цель и задачи, решаемые в работе</a:t>
-            </a:r>
+              <a:rPr lang="ru-RU" dirty="0">
+                <a:cs typeface="Calibri Light"/>
+              </a:rPr>
+              <a:t>Актуальность и проблема</a:t>
+            </a:r>
+            <a:endParaRPr lang="ru-RU" dirty="0"/>
           </a:p>
         </p:txBody>
       </p:sp>
@@ -5369,7 +5890,7 @@
           <p:cNvPr id="3" name="Объект 2">
             <a:extLst>
               <a:ext uri="{FF2B5EF4-FFF2-40B4-BE49-F238E27FC236}">
-                <a16:creationId xmlns:a16="http://schemas.microsoft.com/office/drawing/2014/main" id="{39FED4F3-3ED2-2648-A199-C4EFDB362656}"/>
+                <a16:creationId xmlns:a16="http://schemas.microsoft.com/office/drawing/2014/main" id="{85974AFA-02FA-C037-D9A9-1F533DF6E629}"/>
               </a:ext>
             </a:extLst>
           </p:cNvPr>
@@ -5383,60 +5904,50 @@
         <p:spPr/>
         <p:txBody>
           <a:bodyPr vert="horz" lIns="91440" tIns="45720" rIns="91440" bIns="45720" rtlCol="0" anchor="t">
-            <a:normAutofit lnSpcReduction="10000"/>
+            <a:normAutofit/>
           </a:bodyPr>
           <a:lstStyle/>
           <a:p>
-            <a:pPr marL="0" indent="0" algn="just" fontAlgn="base">
-              <a:buNone/>
-            </a:pPr>
-            <a:r>
-              <a:rPr lang="ru-RU" b="1" dirty="0"/>
-              <a:t>Целью выпускной квалификационной работы </a:t>
-            </a:r>
-            <a:r>
-              <a:rPr lang="ru-RU" dirty="0"/>
-              <a:t>является разработка моделей машинного обучения для классификации сетевого трафика.</a:t>
-            </a:r>
-          </a:p>
-          <a:p>
-            <a:pPr marL="0" indent="0" algn="just" fontAlgn="base">
-              <a:buNone/>
-            </a:pPr>
-            <a:r>
-              <a:rPr lang="ru-RU" dirty="0"/>
-              <a:t>Для достижения поставленной цели в работе сформулированы следующие основные задачи:</a:t>
-            </a:r>
-            <a:endParaRPr lang="en-US" dirty="0"/>
-          </a:p>
-          <a:p>
-            <a:pPr algn="just"/>
-            <a:r>
-              <a:rPr lang="ru-RU" dirty="0"/>
-              <a:t>Сделать обзор существующих решений для анализа трафика;</a:t>
-            </a:r>
-            <a:endParaRPr lang="ru-RU" dirty="0">
-              <a:cs typeface="Calibri"/>
-            </a:endParaRPr>
-          </a:p>
-          <a:p>
-            <a:pPr algn="just"/>
             <a:r>
               <a:rPr lang="ru-RU" dirty="0">
                 <a:cs typeface="Calibri"/>
               </a:rPr>
-              <a:t>Исследовать методы машинного обучения, используемые для классификации трафика;</a:t>
-            </a:r>
-          </a:p>
-          <a:p>
-            <a:pPr algn="just"/>
-            <a:r>
-              <a:rPr lang="ru-RU" dirty="0"/>
-              <a:t>Реализация моделей машинного обучения для классификации трафика.</a:t>
-            </a:r>
-            <a:endParaRPr lang="ru-RU" dirty="0">
-              <a:cs typeface="Calibri"/>
-            </a:endParaRPr>
+              <a:t>Одна из существующих проблем сетей – это предоставление недостаточного качества обслуживания и сложности с детектированием атак или трафика вредоносного ПО.</a:t>
+            </a:r>
+          </a:p>
+          <a:p>
+            <a:r>
+              <a:rPr lang="ru-RU" dirty="0">
+                <a:cs typeface="Calibri"/>
+              </a:rPr>
+              <a:t>Главной задачей является реализация моделей машинного обучения для классификации трафика.</a:t>
+            </a:r>
+          </a:p>
+          <a:p>
+            <a:r>
+              <a:rPr lang="ru-RU" dirty="0">
+                <a:effectLst/>
+                <a:ea typeface="DengXian" panose="02010600030101010101" pitchFamily="2" charset="-122"/>
+                <a:cs typeface="Mangal" panose="02040503050203030202" pitchFamily="18" charset="0"/>
+              </a:rPr>
+              <a:t>Классификация трафика важна  для правильного распределения сетевых ресурсов,  имеет большое значение для сложных задач управления сетью, таких как обеспечение надлежащего качества обслуживания (Quality </a:t>
+            </a:r>
+            <a:r>
+              <a:rPr lang="ru-RU" dirty="0" err="1">
+                <a:effectLst/>
+                <a:ea typeface="DengXian" panose="02010600030101010101" pitchFamily="2" charset="-122"/>
+                <a:cs typeface="Mangal" panose="02040503050203030202" pitchFamily="18" charset="0"/>
+              </a:rPr>
+              <a:t>of</a:t>
+            </a:r>
+            <a:r>
+              <a:rPr lang="ru-RU" dirty="0">
+                <a:effectLst/>
+                <a:ea typeface="DengXian" panose="02010600030101010101" pitchFamily="2" charset="-122"/>
+                <a:cs typeface="Mangal" panose="02040503050203030202" pitchFamily="18" charset="0"/>
+              </a:rPr>
+              <a:t> Service), обнаружение аномалий и детектирования атак, этим обусловлена актуальность работы.</a:t>
+            </a:r>
           </a:p>
         </p:txBody>
       </p:sp>
@@ -5445,7 +5956,7 @@
           <p:cNvPr id="4" name="Номер слайда 3">
             <a:extLst>
               <a:ext uri="{FF2B5EF4-FFF2-40B4-BE49-F238E27FC236}">
-                <a16:creationId xmlns:a16="http://schemas.microsoft.com/office/drawing/2014/main" id="{B2EF8005-6F5D-BE40-84E7-51C7BD364209}"/>
+                <a16:creationId xmlns:a16="http://schemas.microsoft.com/office/drawing/2014/main" id="{A0B603CB-AB5C-282D-F5ED-0536B515684E}"/>
               </a:ext>
             </a:extLst>
           </p:cNvPr>
@@ -5461,18 +5972,18 @@
           <a:bodyPr/>
           <a:lstStyle/>
           <a:p>
-            <a:fld id="{F53BF987-056C-4344-B7AC-6E235C773473}" type="slidenum">
-              <a:rPr lang="ru-RU" sz="1400" smtClean="0"/>
+            <a:fld id="{CA92B08B-6CDC-554D-8A7F-973FAB7E96DE}" type="slidenum">
+              <a:rPr lang="ru-RU" smtClean="0"/>
               <a:t>3</a:t>
             </a:fld>
-            <a:endParaRPr lang="ru-RU" sz="1400"/>
+            <a:endParaRPr lang="ru-RU"/>
           </a:p>
         </p:txBody>
       </p:sp>
     </p:spTree>
     <p:extLst>
       <p:ext uri="{BB962C8B-B14F-4D97-AF65-F5344CB8AC3E}">
-        <p14:creationId xmlns:p14="http://schemas.microsoft.com/office/powerpoint/2010/main" val="698901468"/>
+        <p14:creationId xmlns:p14="http://schemas.microsoft.com/office/powerpoint/2010/main" val="349525470"/>
       </p:ext>
     </p:extLst>
   </p:cSld>
@@ -6369,6 +6880,312 @@
           <p:cNvPr id="2" name="Заголовок 1">
             <a:extLst>
               <a:ext uri="{FF2B5EF4-FFF2-40B4-BE49-F238E27FC236}">
+                <a16:creationId xmlns:a16="http://schemas.microsoft.com/office/drawing/2014/main" id="{42F5852D-7D24-4D82-8A7D-607B5E682D3E}"/>
+              </a:ext>
+            </a:extLst>
+          </p:cNvPr>
+          <p:cNvSpPr>
+            <a:spLocks noGrp="1"/>
+          </p:cNvSpPr>
+          <p:nvPr>
+            <p:ph type="title"/>
+          </p:nvPr>
+        </p:nvSpPr>
+        <p:spPr/>
+        <p:txBody>
+          <a:bodyPr/>
+          <a:lstStyle/>
+          <a:p>
+            <a:r>
+              <a:rPr lang="ru-RU" dirty="0"/>
+              <a:t>Описание программной части</a:t>
+            </a:r>
+          </a:p>
+        </p:txBody>
+      </p:sp>
+      <p:sp>
+        <p:nvSpPr>
+          <p:cNvPr id="3" name="Объект 2">
+            <a:extLst>
+              <a:ext uri="{FF2B5EF4-FFF2-40B4-BE49-F238E27FC236}">
+                <a16:creationId xmlns:a16="http://schemas.microsoft.com/office/drawing/2014/main" id="{5E088787-9E03-4D4B-868F-BB73838014EE}"/>
+              </a:ext>
+            </a:extLst>
+          </p:cNvPr>
+          <p:cNvSpPr>
+            <a:spLocks noGrp="1"/>
+          </p:cNvSpPr>
+          <p:nvPr>
+            <p:ph idx="1"/>
+          </p:nvPr>
+        </p:nvSpPr>
+        <p:spPr/>
+        <p:txBody>
+          <a:bodyPr>
+            <a:normAutofit lnSpcReduction="10000"/>
+          </a:bodyPr>
+          <a:lstStyle/>
+          <a:p>
+            <a:r>
+              <a:rPr lang="ru-RU" dirty="0"/>
+              <a:t>При использовании метода опорных векторов используется класс </a:t>
+            </a:r>
+            <a:r>
+              <a:rPr lang="en-US" dirty="0" err="1"/>
+              <a:t>sklearn.svm.SVC</a:t>
+            </a:r>
+            <a:r>
+              <a:rPr lang="en-US" dirty="0"/>
+              <a:t> </a:t>
+            </a:r>
+            <a:r>
+              <a:rPr lang="ru-RU" dirty="0"/>
+              <a:t>из библиотеки </a:t>
+            </a:r>
+            <a:r>
+              <a:rPr lang="en-US" dirty="0" err="1"/>
+              <a:t>sklearn</a:t>
+            </a:r>
+            <a:r>
+              <a:rPr lang="en-US" dirty="0"/>
+              <a:t>. </a:t>
+            </a:r>
+            <a:r>
+              <a:rPr lang="ru-RU" dirty="0"/>
+              <a:t>Эта реализация использует стратегию один-к-одному для </a:t>
+            </a:r>
+            <a:r>
+              <a:rPr lang="ru-RU" dirty="0" err="1"/>
+              <a:t>мультиклассовой</a:t>
+            </a:r>
+            <a:r>
+              <a:rPr lang="ru-RU" dirty="0"/>
+              <a:t> классификации, поскольку метод опорных векторов поддерживает только бинарную классификацию.</a:t>
+            </a:r>
+          </a:p>
+          <a:p>
+            <a:pPr marL="0" indent="0">
+              <a:buNone/>
+            </a:pPr>
+            <a:endParaRPr lang="en-US" dirty="0"/>
+          </a:p>
+          <a:p>
+            <a:r>
+              <a:rPr lang="ru-RU" dirty="0"/>
+              <a:t>Реализованная нейронная сеть состоит из 5 слоёв, в первых 4 из которых 100 нейронов, а в последнем число нейронов равно количеству классов.</a:t>
+            </a:r>
+            <a:r>
+              <a:rPr lang="en-US" dirty="0"/>
+              <a:t> </a:t>
+            </a:r>
+            <a:r>
+              <a:rPr lang="ru-RU" dirty="0"/>
+              <a:t>На выходном слое используется функция активации </a:t>
+            </a:r>
+            <a:r>
+              <a:rPr lang="en-US" dirty="0" err="1"/>
+              <a:t>softmax</a:t>
+            </a:r>
+            <a:r>
+              <a:rPr lang="ru-RU" dirty="0"/>
+              <a:t>.</a:t>
+            </a:r>
+            <a:r>
+              <a:rPr lang="en-US" dirty="0"/>
+              <a:t> </a:t>
+            </a:r>
+            <a:r>
+              <a:rPr lang="ru-RU" dirty="0"/>
+              <a:t>На скрытых слоях используется функция активации</a:t>
+            </a:r>
+            <a:r>
+              <a:rPr lang="en-US" dirty="0"/>
+              <a:t> tanh.</a:t>
+            </a:r>
+            <a:endParaRPr lang="ru-RU" dirty="0"/>
+          </a:p>
+        </p:txBody>
+      </p:sp>
+      <p:sp>
+        <p:nvSpPr>
+          <p:cNvPr id="4" name="Номер слайда 3">
+            <a:extLst>
+              <a:ext uri="{FF2B5EF4-FFF2-40B4-BE49-F238E27FC236}">
+                <a16:creationId xmlns:a16="http://schemas.microsoft.com/office/drawing/2014/main" id="{3089B5F0-204A-4190-8327-190278DCACA5}"/>
+              </a:ext>
+            </a:extLst>
+          </p:cNvPr>
+          <p:cNvSpPr>
+            <a:spLocks noGrp="1"/>
+          </p:cNvSpPr>
+          <p:nvPr>
+            <p:ph type="sldNum" sz="quarter" idx="12"/>
+          </p:nvPr>
+        </p:nvSpPr>
+        <p:spPr/>
+        <p:txBody>
+          <a:bodyPr/>
+          <a:lstStyle/>
+          <a:p>
+            <a:fld id="{CA92B08B-6CDC-554D-8A7F-973FAB7E96DE}" type="slidenum">
+              <a:rPr lang="ru-RU" smtClean="0"/>
+              <a:t>6</a:t>
+            </a:fld>
+            <a:endParaRPr lang="ru-RU"/>
+          </a:p>
+        </p:txBody>
+      </p:sp>
+    </p:spTree>
+    <p:extLst>
+      <p:ext uri="{BB962C8B-B14F-4D97-AF65-F5344CB8AC3E}">
+        <p14:creationId xmlns:p14="http://schemas.microsoft.com/office/powerpoint/2010/main" val="2000896080"/>
+      </p:ext>
+    </p:extLst>
+  </p:cSld>
+  <p:clrMapOvr>
+    <a:masterClrMapping/>
+  </p:clrMapOvr>
+</p:sld>
+</file>
+
+<file path=ppt/slides/slide7.xml><?xml version="1.0" encoding="utf-8"?>
+<p:sld xmlns:a="http://schemas.openxmlformats.org/drawingml/2006/main" xmlns:r="http://schemas.openxmlformats.org/officeDocument/2006/relationships" xmlns:p="http://schemas.openxmlformats.org/presentationml/2006/main">
+  <p:cSld>
+    <p:spTree>
+      <p:nvGrpSpPr>
+        <p:cNvPr id="1" name=""/>
+        <p:cNvGrpSpPr/>
+        <p:nvPr/>
+      </p:nvGrpSpPr>
+      <p:grpSpPr>
+        <a:xfrm>
+          <a:off x="0" y="0"/>
+          <a:ext cx="0" cy="0"/>
+          <a:chOff x="0" y="0"/>
+          <a:chExt cx="0" cy="0"/>
+        </a:xfrm>
+      </p:grpSpPr>
+      <p:sp>
+        <p:nvSpPr>
+          <p:cNvPr id="2" name="Заголовок 1">
+            <a:extLst>
+              <a:ext uri="{FF2B5EF4-FFF2-40B4-BE49-F238E27FC236}">
+                <a16:creationId xmlns:a16="http://schemas.microsoft.com/office/drawing/2014/main" id="{9E873EC7-B6DB-45D2-B2EE-1009FBBF07C3}"/>
+              </a:ext>
+            </a:extLst>
+          </p:cNvPr>
+          <p:cNvSpPr>
+            <a:spLocks noGrp="1"/>
+          </p:cNvSpPr>
+          <p:nvPr>
+            <p:ph type="title"/>
+          </p:nvPr>
+        </p:nvSpPr>
+        <p:spPr/>
+        <p:txBody>
+          <a:bodyPr/>
+          <a:lstStyle/>
+          <a:p>
+            <a:r>
+              <a:rPr lang="ru-RU" dirty="0"/>
+              <a:t>Архитектура нейронной сети</a:t>
+            </a:r>
+          </a:p>
+        </p:txBody>
+      </p:sp>
+      <p:pic>
+        <p:nvPicPr>
+          <p:cNvPr id="6" name="Объект 5">
+            <a:extLst>
+              <a:ext uri="{FF2B5EF4-FFF2-40B4-BE49-F238E27FC236}">
+                <a16:creationId xmlns:a16="http://schemas.microsoft.com/office/drawing/2014/main" id="{CC1B76AC-183B-4819-B525-92F4B4D659FE}"/>
+              </a:ext>
+            </a:extLst>
+          </p:cNvPr>
+          <p:cNvPicPr>
+            <a:picLocks noGrp="1" noChangeAspect="1"/>
+          </p:cNvPicPr>
+          <p:nvPr>
+            <p:ph idx="1"/>
+          </p:nvPr>
+        </p:nvPicPr>
+        <p:blipFill>
+          <a:blip r:embed="rId2"/>
+          <a:stretch>
+            <a:fillRect/>
+          </a:stretch>
+        </p:blipFill>
+        <p:spPr>
+          <a:xfrm>
+            <a:off x="1514261" y="1690688"/>
+            <a:ext cx="7815940" cy="4351338"/>
+          </a:xfrm>
+        </p:spPr>
+      </p:pic>
+      <p:sp>
+        <p:nvSpPr>
+          <p:cNvPr id="4" name="Номер слайда 3">
+            <a:extLst>
+              <a:ext uri="{FF2B5EF4-FFF2-40B4-BE49-F238E27FC236}">
+                <a16:creationId xmlns:a16="http://schemas.microsoft.com/office/drawing/2014/main" id="{C500B989-0518-488D-8D8D-7286CC0B7EB5}"/>
+              </a:ext>
+            </a:extLst>
+          </p:cNvPr>
+          <p:cNvSpPr>
+            <a:spLocks noGrp="1"/>
+          </p:cNvSpPr>
+          <p:nvPr>
+            <p:ph type="sldNum" sz="quarter" idx="12"/>
+          </p:nvPr>
+        </p:nvSpPr>
+        <p:spPr/>
+        <p:txBody>
+          <a:bodyPr/>
+          <a:lstStyle/>
+          <a:p>
+            <a:fld id="{CA92B08B-6CDC-554D-8A7F-973FAB7E96DE}" type="slidenum">
+              <a:rPr lang="ru-RU" smtClean="0"/>
+              <a:t>7</a:t>
+            </a:fld>
+            <a:endParaRPr lang="ru-RU"/>
+          </a:p>
+        </p:txBody>
+      </p:sp>
+    </p:spTree>
+    <p:extLst>
+      <p:ext uri="{BB962C8B-B14F-4D97-AF65-F5344CB8AC3E}">
+        <p14:creationId xmlns:p14="http://schemas.microsoft.com/office/powerpoint/2010/main" val="3827908880"/>
+      </p:ext>
+    </p:extLst>
+  </p:cSld>
+  <p:clrMapOvr>
+    <a:masterClrMapping/>
+  </p:clrMapOvr>
+</p:sld>
+</file>
+
+<file path=ppt/slides/slide8.xml><?xml version="1.0" encoding="utf-8"?>
+<p:sld xmlns:a="http://schemas.openxmlformats.org/drawingml/2006/main" xmlns:r="http://schemas.openxmlformats.org/officeDocument/2006/relationships" xmlns:p="http://schemas.openxmlformats.org/presentationml/2006/main">
+  <p:cSld>
+    <p:spTree>
+      <p:nvGrpSpPr>
+        <p:cNvPr id="1" name=""/>
+        <p:cNvGrpSpPr/>
+        <p:nvPr/>
+      </p:nvGrpSpPr>
+      <p:grpSpPr>
+        <a:xfrm>
+          <a:off x="0" y="0"/>
+          <a:ext cx="0" cy="0"/>
+          <a:chOff x="0" y="0"/>
+          <a:chExt cx="0" cy="0"/>
+        </a:xfrm>
+      </p:grpSpPr>
+      <p:sp>
+        <p:nvSpPr>
+          <p:cNvPr id="2" name="Заголовок 1">
+            <a:extLst>
+              <a:ext uri="{FF2B5EF4-FFF2-40B4-BE49-F238E27FC236}">
                 <a16:creationId xmlns:a16="http://schemas.microsoft.com/office/drawing/2014/main" id="{AFCCD083-E690-F9F5-080E-206A9E6AAE7D}"/>
               </a:ext>
             </a:extLst>
@@ -6420,7 +7237,7 @@
           <a:p>
             <a:fld id="{CA92B08B-6CDC-554D-8A7F-973FAB7E96DE}" type="slidenum">
               <a:rPr lang="ru-RU" smtClean="0"/>
-              <a:t>6</a:t>
+              <a:t>8</a:t>
             </a:fld>
             <a:endParaRPr lang="ru-RU"/>
           </a:p>
@@ -6469,7 +7286,7 @@
 </p:sld>
 </file>
 
-<file path=ppt/slides/slide7.xml><?xml version="1.0" encoding="utf-8"?>
+<file path=ppt/slides/slide9.xml><?xml version="1.0" encoding="utf-8"?>
 <p:sld xmlns:a="http://schemas.openxmlformats.org/drawingml/2006/main" xmlns:r="http://schemas.openxmlformats.org/officeDocument/2006/relationships" xmlns:p="http://schemas.openxmlformats.org/presentationml/2006/main">
   <p:cSld>
     <p:spTree>
@@ -6542,7 +7359,7 @@
           <a:p>
             <a:fld id="{CA92B08B-6CDC-554D-8A7F-973FAB7E96DE}" type="slidenum">
               <a:rPr lang="ru-RU" smtClean="0"/>
-              <a:t>7</a:t>
+              <a:t>9</a:t>
             </a:fld>
             <a:endParaRPr lang="ru-RU"/>
           </a:p>
@@ -6582,308 +7399,6 @@
     <p:extLst>
       <p:ext uri="{BB962C8B-B14F-4D97-AF65-F5344CB8AC3E}">
         <p14:creationId xmlns:p14="http://schemas.microsoft.com/office/powerpoint/2010/main" val="4203422492"/>
-      </p:ext>
-    </p:extLst>
-  </p:cSld>
-  <p:clrMapOvr>
-    <a:masterClrMapping/>
-  </p:clrMapOvr>
-</p:sld>
-</file>
-
-<file path=ppt/slides/slide8.xml><?xml version="1.0" encoding="utf-8"?>
-<p:sld xmlns:a="http://schemas.openxmlformats.org/drawingml/2006/main" xmlns:r="http://schemas.openxmlformats.org/officeDocument/2006/relationships" xmlns:p="http://schemas.openxmlformats.org/presentationml/2006/main">
-  <p:cSld>
-    <p:spTree>
-      <p:nvGrpSpPr>
-        <p:cNvPr id="1" name=""/>
-        <p:cNvGrpSpPr/>
-        <p:nvPr/>
-      </p:nvGrpSpPr>
-      <p:grpSpPr>
-        <a:xfrm>
-          <a:off x="0" y="0"/>
-          <a:ext cx="0" cy="0"/>
-          <a:chOff x="0" y="0"/>
-          <a:chExt cx="0" cy="0"/>
-        </a:xfrm>
-      </p:grpSpPr>
-      <p:sp>
-        <p:nvSpPr>
-          <p:cNvPr id="2" name="Заголовок 1">
-            <a:extLst>
-              <a:ext uri="{FF2B5EF4-FFF2-40B4-BE49-F238E27FC236}">
-                <a16:creationId xmlns:a16="http://schemas.microsoft.com/office/drawing/2014/main" id="{1500B016-9511-0E65-DD8A-602EB9273B95}"/>
-              </a:ext>
-            </a:extLst>
-          </p:cNvPr>
-          <p:cNvSpPr>
-            <a:spLocks noGrp="1"/>
-          </p:cNvSpPr>
-          <p:nvPr>
-            <p:ph type="title"/>
-          </p:nvPr>
-        </p:nvSpPr>
-        <p:spPr>
-          <a:xfrm>
-            <a:off x="838200" y="-67126"/>
-            <a:ext cx="10515600" cy="1325563"/>
-          </a:xfrm>
-        </p:spPr>
-        <p:txBody>
-          <a:bodyPr/>
-          <a:lstStyle/>
-          <a:p>
-            <a:r>
-              <a:rPr lang="ru-RU" dirty="0">
-                <a:cs typeface="Calibri Light"/>
-              </a:rPr>
-              <a:t>Наиболее часто встречающиеся </a:t>
-            </a:r>
-            <a:r>
-              <a:rPr lang="en-US" dirty="0">
-                <a:cs typeface="Calibri Light"/>
-              </a:rPr>
-              <a:t>IP</a:t>
-            </a:r>
-            <a:r>
-              <a:rPr lang="ru-RU" dirty="0">
-                <a:cs typeface="Calibri Light"/>
-              </a:rPr>
-              <a:t> </a:t>
-            </a:r>
-            <a:endParaRPr lang="ru-RU" dirty="0"/>
-          </a:p>
-        </p:txBody>
-      </p:sp>
-      <p:sp>
-        <p:nvSpPr>
-          <p:cNvPr id="4" name="Номер слайда 3">
-            <a:extLst>
-              <a:ext uri="{FF2B5EF4-FFF2-40B4-BE49-F238E27FC236}">
-                <a16:creationId xmlns:a16="http://schemas.microsoft.com/office/drawing/2014/main" id="{48F279A0-27FA-61CE-3F5A-F011C5B3C4AF}"/>
-              </a:ext>
-            </a:extLst>
-          </p:cNvPr>
-          <p:cNvSpPr>
-            <a:spLocks noGrp="1"/>
-          </p:cNvSpPr>
-          <p:nvPr>
-            <p:ph type="sldNum" sz="quarter" idx="12"/>
-          </p:nvPr>
-        </p:nvSpPr>
-        <p:spPr/>
-        <p:txBody>
-          <a:bodyPr/>
-          <a:lstStyle/>
-          <a:p>
-            <a:fld id="{CA92B08B-6CDC-554D-8A7F-973FAB7E96DE}" type="slidenum">
-              <a:rPr lang="ru-RU" smtClean="0"/>
-              <a:t>8</a:t>
-            </a:fld>
-            <a:endParaRPr lang="ru-RU"/>
-          </a:p>
-        </p:txBody>
-      </p:sp>
-      <p:pic>
-        <p:nvPicPr>
-          <p:cNvPr id="5" name="Рисунок 4">
-            <a:extLst>
-              <a:ext uri="{FF2B5EF4-FFF2-40B4-BE49-F238E27FC236}">
-                <a16:creationId xmlns:a16="http://schemas.microsoft.com/office/drawing/2014/main" id="{0174969D-8A96-4113-A52E-83CC93C3EF47}"/>
-              </a:ext>
-            </a:extLst>
-          </p:cNvPr>
-          <p:cNvPicPr/>
-          <p:nvPr/>
-        </p:nvPicPr>
-        <p:blipFill>
-          <a:blip r:embed="rId2">
-            <a:extLst>
-              <a:ext uri="{28A0092B-C50C-407E-A947-70E740481C1C}">
-                <a14:useLocalDpi xmlns:a14="http://schemas.microsoft.com/office/drawing/2010/main" val="0"/>
-              </a:ext>
-            </a:extLst>
-          </a:blip>
-          <a:srcRect/>
-          <a:stretch>
-            <a:fillRect/>
-          </a:stretch>
-        </p:blipFill>
-        <p:spPr bwMode="auto">
-          <a:xfrm>
-            <a:off x="0" y="1820731"/>
-            <a:ext cx="5931535" cy="3506470"/>
-          </a:xfrm>
-          <a:prstGeom prst="rect">
-            <a:avLst/>
-          </a:prstGeom>
-          <a:noFill/>
-          <a:ln>
-            <a:noFill/>
-          </a:ln>
-        </p:spPr>
-      </p:pic>
-      <p:pic>
-        <p:nvPicPr>
-          <p:cNvPr id="6" name="Рисунок 5">
-            <a:extLst>
-              <a:ext uri="{FF2B5EF4-FFF2-40B4-BE49-F238E27FC236}">
-                <a16:creationId xmlns:a16="http://schemas.microsoft.com/office/drawing/2014/main" id="{3A6B4808-834F-4E61-AFA2-DEA1626042BF}"/>
-              </a:ext>
-            </a:extLst>
-          </p:cNvPr>
-          <p:cNvPicPr/>
-          <p:nvPr/>
-        </p:nvPicPr>
-        <p:blipFill>
-          <a:blip r:embed="rId3">
-            <a:extLst>
-              <a:ext uri="{28A0092B-C50C-407E-A947-70E740481C1C}">
-                <a14:useLocalDpi xmlns:a14="http://schemas.microsoft.com/office/drawing/2010/main" val="0"/>
-              </a:ext>
-            </a:extLst>
-          </a:blip>
-          <a:srcRect/>
-          <a:stretch>
-            <a:fillRect/>
-          </a:stretch>
-        </p:blipFill>
-        <p:spPr bwMode="auto">
-          <a:xfrm>
-            <a:off x="5931535" y="1820731"/>
-            <a:ext cx="5931535" cy="3506470"/>
-          </a:xfrm>
-          <a:prstGeom prst="rect">
-            <a:avLst/>
-          </a:prstGeom>
-          <a:noFill/>
-          <a:ln>
-            <a:noFill/>
-          </a:ln>
-        </p:spPr>
-      </p:pic>
-    </p:spTree>
-    <p:extLst>
-      <p:ext uri="{BB962C8B-B14F-4D97-AF65-F5344CB8AC3E}">
-        <p14:creationId xmlns:p14="http://schemas.microsoft.com/office/powerpoint/2010/main" val="3491014035"/>
-      </p:ext>
-    </p:extLst>
-  </p:cSld>
-  <p:clrMapOvr>
-    <a:masterClrMapping/>
-  </p:clrMapOvr>
-</p:sld>
-</file>
-
-<file path=ppt/slides/slide9.xml><?xml version="1.0" encoding="utf-8"?>
-<p:sld xmlns:a="http://schemas.openxmlformats.org/drawingml/2006/main" xmlns:r="http://schemas.openxmlformats.org/officeDocument/2006/relationships" xmlns:p="http://schemas.openxmlformats.org/presentationml/2006/main">
-  <p:cSld>
-    <p:spTree>
-      <p:nvGrpSpPr>
-        <p:cNvPr id="1" name=""/>
-        <p:cNvGrpSpPr/>
-        <p:nvPr/>
-      </p:nvGrpSpPr>
-      <p:grpSpPr>
-        <a:xfrm>
-          <a:off x="0" y="0"/>
-          <a:ext cx="0" cy="0"/>
-          <a:chOff x="0" y="0"/>
-          <a:chExt cx="0" cy="0"/>
-        </a:xfrm>
-      </p:grpSpPr>
-      <p:sp>
-        <p:nvSpPr>
-          <p:cNvPr id="2" name="Заголовок 1">
-            <a:extLst>
-              <a:ext uri="{FF2B5EF4-FFF2-40B4-BE49-F238E27FC236}">
-                <a16:creationId xmlns:a16="http://schemas.microsoft.com/office/drawing/2014/main" id="{C114721D-A187-9761-6387-4A79412CFF5D}"/>
-              </a:ext>
-            </a:extLst>
-          </p:cNvPr>
-          <p:cNvSpPr>
-            <a:spLocks noGrp="1"/>
-          </p:cNvSpPr>
-          <p:nvPr>
-            <p:ph type="title"/>
-          </p:nvPr>
-        </p:nvSpPr>
-        <p:spPr/>
-        <p:txBody>
-          <a:bodyPr/>
-          <a:lstStyle/>
-          <a:p>
-            <a:r>
-              <a:rPr lang="ru-RU" dirty="0"/>
-              <a:t>Результаты обучения нейронной сети</a:t>
-            </a:r>
-          </a:p>
-        </p:txBody>
-      </p:sp>
-      <p:sp>
-        <p:nvSpPr>
-          <p:cNvPr id="4" name="Номер слайда 3">
-            <a:extLst>
-              <a:ext uri="{FF2B5EF4-FFF2-40B4-BE49-F238E27FC236}">
-                <a16:creationId xmlns:a16="http://schemas.microsoft.com/office/drawing/2014/main" id="{DE154659-FFDD-0A6D-91A8-968CFD4EA898}"/>
-              </a:ext>
-            </a:extLst>
-          </p:cNvPr>
-          <p:cNvSpPr>
-            <a:spLocks noGrp="1"/>
-          </p:cNvSpPr>
-          <p:nvPr>
-            <p:ph type="sldNum" sz="quarter" idx="12"/>
-          </p:nvPr>
-        </p:nvSpPr>
-        <p:spPr/>
-        <p:txBody>
-          <a:bodyPr/>
-          <a:lstStyle/>
-          <a:p>
-            <a:fld id="{CA92B08B-6CDC-554D-8A7F-973FAB7E96DE}" type="slidenum">
-              <a:rPr lang="ru-RU" smtClean="0"/>
-              <a:t>9</a:t>
-            </a:fld>
-            <a:endParaRPr lang="ru-RU"/>
-          </a:p>
-        </p:txBody>
-      </p:sp>
-      <p:pic>
-        <p:nvPicPr>
-          <p:cNvPr id="6" name="Рисунок 5">
-            <a:extLst>
-              <a:ext uri="{FF2B5EF4-FFF2-40B4-BE49-F238E27FC236}">
-                <a16:creationId xmlns:a16="http://schemas.microsoft.com/office/drawing/2014/main" id="{08C2E2B1-3CDE-49AA-B9C1-97FA3781A19C}"/>
-              </a:ext>
-            </a:extLst>
-          </p:cNvPr>
-          <p:cNvPicPr>
-            <a:picLocks noChangeAspect="1"/>
-          </p:cNvPicPr>
-          <p:nvPr/>
-        </p:nvPicPr>
-        <p:blipFill>
-          <a:blip r:embed="rId3"/>
-          <a:stretch>
-            <a:fillRect/>
-          </a:stretch>
-        </p:blipFill>
-        <p:spPr>
-          <a:xfrm>
-            <a:off x="1451517" y="1349401"/>
-            <a:ext cx="5780872" cy="5536477"/>
-          </a:xfrm>
-          <a:prstGeom prst="rect">
-            <a:avLst/>
-          </a:prstGeom>
-        </p:spPr>
-      </p:pic>
-    </p:spTree>
-    <p:extLst>
-      <p:ext uri="{BB962C8B-B14F-4D97-AF65-F5344CB8AC3E}">
-        <p14:creationId xmlns:p14="http://schemas.microsoft.com/office/powerpoint/2010/main" val="2823353257"/>
       </p:ext>
     </p:extLst>
   </p:cSld>

--- a/presentation.pptx
+++ b/presentation.pptx
@@ -24,7 +24,7 @@
     <p:sldId id="333" r:id="rId15"/>
   </p:sldIdLst>
   <p:sldSz cx="12192000" cy="6858000"/>
-  <p:notesSz cx="6858000" cy="9144000"/>
+  <p:notesSz cx="6875463" cy="10002838"/>
   <p:defaultTextStyle>
     <a:defPPr>
       <a:defRPr lang="ru-RU"/>
@@ -163,17 +163,17 @@
         <p:spPr>
           <a:xfrm>
             <a:off x="0" y="0"/>
-            <a:ext cx="2971800" cy="458788"/>
+            <a:ext cx="2979367" cy="501879"/>
           </a:xfrm>
           <a:prstGeom prst="rect">
             <a:avLst/>
           </a:prstGeom>
         </p:spPr>
         <p:txBody>
-          <a:bodyPr vert="horz" lIns="91440" tIns="45720" rIns="91440" bIns="45720" rtlCol="0"/>
+          <a:bodyPr vert="horz" lIns="96442" tIns="48221" rIns="96442" bIns="48221" rtlCol="0"/>
           <a:lstStyle>
             <a:lvl1pPr algn="l">
-              <a:defRPr sz="1200"/>
+              <a:defRPr sz="1300"/>
             </a:lvl1pPr>
           </a:lstStyle>
           <a:p>
@@ -193,24 +193,24 @@
         </p:nvSpPr>
         <p:spPr>
           <a:xfrm>
-            <a:off x="3884613" y="0"/>
-            <a:ext cx="2971800" cy="458788"/>
+            <a:off x="3894505" y="0"/>
+            <a:ext cx="2979367" cy="501879"/>
           </a:xfrm>
           <a:prstGeom prst="rect">
             <a:avLst/>
           </a:prstGeom>
         </p:spPr>
         <p:txBody>
-          <a:bodyPr vert="horz" lIns="91440" tIns="45720" rIns="91440" bIns="45720" rtlCol="0"/>
+          <a:bodyPr vert="horz" lIns="96442" tIns="48221" rIns="96442" bIns="48221" rtlCol="0"/>
           <a:lstStyle>
             <a:lvl1pPr algn="r">
-              <a:defRPr sz="1200"/>
+              <a:defRPr sz="1300"/>
             </a:lvl1pPr>
           </a:lstStyle>
           <a:p>
             <a:fld id="{C46F261B-26DF-1C49-B166-EC990B54306E}" type="datetimeFigureOut">
               <a:rPr lang="ru-RU" smtClean="0"/>
-              <a:t>22.06.2022</a:t>
+              <a:t>23.06.2022</a:t>
             </a:fld>
             <a:endParaRPr lang="ru-RU"/>
           </a:p>
@@ -228,8 +228,8 @@
         </p:nvSpPr>
         <p:spPr>
           <a:xfrm>
-            <a:off x="685800" y="1143000"/>
-            <a:ext cx="5486400" cy="3086100"/>
+            <a:off x="438150" y="1250950"/>
+            <a:ext cx="5999163" cy="3375025"/>
           </a:xfrm>
           <a:prstGeom prst="rect">
             <a:avLst/>
@@ -242,7 +242,7 @@
           </a:ln>
         </p:spPr>
         <p:txBody>
-          <a:bodyPr vert="horz" lIns="91440" tIns="45720" rIns="91440" bIns="45720" rtlCol="0" anchor="ctr"/>
+          <a:bodyPr vert="horz" lIns="96442" tIns="48221" rIns="96442" bIns="48221" rtlCol="0" anchor="ctr"/>
           <a:lstStyle/>
           <a:p>
             <a:endParaRPr lang="ru-RU"/>
@@ -261,15 +261,15 @@
         </p:nvSpPr>
         <p:spPr>
           <a:xfrm>
-            <a:off x="685800" y="4400550"/>
-            <a:ext cx="5486400" cy="3600450"/>
+            <a:off x="687547" y="4813866"/>
+            <a:ext cx="5500370" cy="3938617"/>
           </a:xfrm>
           <a:prstGeom prst="rect">
             <a:avLst/>
           </a:prstGeom>
         </p:spPr>
         <p:txBody>
-          <a:bodyPr vert="horz" lIns="91440" tIns="45720" rIns="91440" bIns="45720" rtlCol="0"/>
+          <a:bodyPr vert="horz" lIns="96442" tIns="48221" rIns="96442" bIns="48221" rtlCol="0"/>
           <a:lstStyle/>
           <a:p>
             <a:pPr lvl="0"/>
@@ -320,18 +320,18 @@
         </p:nvSpPr>
         <p:spPr>
           <a:xfrm>
-            <a:off x="0" y="8685213"/>
-            <a:ext cx="2971800" cy="458787"/>
+            <a:off x="0" y="9500961"/>
+            <a:ext cx="2979367" cy="501878"/>
           </a:xfrm>
           <a:prstGeom prst="rect">
             <a:avLst/>
           </a:prstGeom>
         </p:spPr>
         <p:txBody>
-          <a:bodyPr vert="horz" lIns="91440" tIns="45720" rIns="91440" bIns="45720" rtlCol="0" anchor="b"/>
+          <a:bodyPr vert="horz" lIns="96442" tIns="48221" rIns="96442" bIns="48221" rtlCol="0" anchor="b"/>
           <a:lstStyle>
             <a:lvl1pPr algn="l">
-              <a:defRPr sz="1200"/>
+              <a:defRPr sz="1300"/>
             </a:lvl1pPr>
           </a:lstStyle>
           <a:p>
@@ -351,18 +351,18 @@
         </p:nvSpPr>
         <p:spPr>
           <a:xfrm>
-            <a:off x="3884613" y="8685213"/>
-            <a:ext cx="2971800" cy="458787"/>
+            <a:off x="3894505" y="9500961"/>
+            <a:ext cx="2979367" cy="501878"/>
           </a:xfrm>
           <a:prstGeom prst="rect">
             <a:avLst/>
           </a:prstGeom>
         </p:spPr>
         <p:txBody>
-          <a:bodyPr vert="horz" lIns="91440" tIns="45720" rIns="91440" bIns="45720" rtlCol="0" anchor="b"/>
+          <a:bodyPr vert="horz" lIns="96442" tIns="48221" rIns="96442" bIns="48221" rtlCol="0" anchor="b"/>
           <a:lstStyle>
             <a:lvl1pPr algn="r">
-              <a:defRPr sz="1200"/>
+              <a:defRPr sz="1300"/>
             </a:lvl1pPr>
           </a:lstStyle>
           <a:p>
@@ -523,11 +523,14 @@
           <a:p>
             <a:r>
               <a:rPr lang="ru-RU" dirty="0"/>
-              <a:t>Здравствуйте, уважаемая выпускная квалификационная комиссия! Вашему вниманию представляется презентация к защите выпускной квалификационной работы, выполненной студентом группы БСБО-09-18 Челышевым Степаном на тему «Классификация сетевого трафика с использованием различных архитектур </a:t>
-            </a:r>
+              <a:t>Здравствуйте, уважаемые члены экзаменационной комиссии! </a:t>
+            </a:r>
+            <a:br>
+              <a:rPr lang="ru-RU" dirty="0"/>
+            </a:br>
             <a:r>
               <a:rPr lang="ru-RU"/>
-              <a:t>нейронных сетей».</a:t>
+              <a:t>Я, Челышев Степан Романович, студент 4 курса, группы БСБО-09-18 представляю вашему вниманию дипломную работу по теме: «Классификация сетевого трафика с использованием различных архитектур нейронных сетей».</a:t>
             </a:r>
             <a:endParaRPr lang="ru-RU" sz="1200" b="0" dirty="0"/>
           </a:p>
@@ -787,6 +790,39 @@
           <a:bodyPr/>
           <a:lstStyle/>
           <a:p>
+            <a:pPr marL="0" marR="0" lvl="0" indent="0" algn="l" defTabSz="914400" rtl="0" eaLnBrk="1" fontAlgn="auto" latinLnBrk="0" hangingPunct="1">
+              <a:lnSpc>
+                <a:spcPct val="100000"/>
+              </a:lnSpc>
+              <a:spcBef>
+                <a:spcPts val="0"/>
+              </a:spcBef>
+              <a:spcAft>
+                <a:spcPts val="0"/>
+              </a:spcAft>
+              <a:buClrTx/>
+              <a:buSzTx/>
+              <a:buFontTx/>
+              <a:buNone/>
+              <a:tabLst/>
+              <a:defRPr/>
+            </a:pPr>
+            <a:r>
+              <a:rPr lang="ru-RU" dirty="0"/>
+              <a:t>Эта реализация использует стратегию один-к-одному для </a:t>
+            </a:r>
+            <a:r>
+              <a:rPr lang="ru-RU" dirty="0" err="1"/>
+              <a:t>мультиклассовой</a:t>
+            </a:r>
+            <a:r>
+              <a:rPr lang="ru-RU" dirty="0"/>
+              <a:t> классификации, поскольку метод опорных векторов поддерживает только бинарную классификацию.</a:t>
+            </a:r>
+            <a:r>
+              <a:rPr lang="en-US" dirty="0"/>
+              <a:t> </a:t>
+            </a:r>
             <a:r>
               <a:rPr lang="ru-RU" dirty="0"/>
               <a:t>Подход один-к-одному для решения задачи </a:t>
@@ -1306,7 +1342,7 @@
           <a:p>
             <a:fld id="{32AADA74-6550-B648-B987-978D0F8EF7BC}" type="datetime1">
               <a:rPr lang="ru-RU" smtClean="0"/>
-              <a:t>22.06.2022</a:t>
+              <a:t>23.06.2022</a:t>
             </a:fld>
             <a:endParaRPr lang="ru-RU"/>
           </a:p>
@@ -1504,7 +1540,7 @@
           <a:p>
             <a:fld id="{C1610AD0-7B77-9143-9F54-1853C437BA0F}" type="datetime1">
               <a:rPr lang="ru-RU" smtClean="0"/>
-              <a:t>22.06.2022</a:t>
+              <a:t>23.06.2022</a:t>
             </a:fld>
             <a:endParaRPr lang="ru-RU"/>
           </a:p>
@@ -1712,7 +1748,7 @@
           <a:p>
             <a:fld id="{1B8A8FD7-E91E-7547-80C4-37D5C887AEF1}" type="datetime1">
               <a:rPr lang="ru-RU" smtClean="0"/>
-              <a:t>22.06.2022</a:t>
+              <a:t>23.06.2022</a:t>
             </a:fld>
             <a:endParaRPr lang="ru-RU"/>
           </a:p>
@@ -1910,7 +1946,7 @@
           <a:p>
             <a:fld id="{8A65F7CC-610C-8247-942E-F12C6202F1DA}" type="datetime1">
               <a:rPr lang="ru-RU" smtClean="0"/>
-              <a:t>22.06.2022</a:t>
+              <a:t>23.06.2022</a:t>
             </a:fld>
             <a:endParaRPr lang="ru-RU"/>
           </a:p>
@@ -2185,7 +2221,7 @@
           <a:p>
             <a:fld id="{498B9DF7-BA49-8147-8FB6-5D507EABCC8B}" type="datetime1">
               <a:rPr lang="ru-RU" smtClean="0"/>
-              <a:t>22.06.2022</a:t>
+              <a:t>23.06.2022</a:t>
             </a:fld>
             <a:endParaRPr lang="ru-RU"/>
           </a:p>
@@ -2450,7 +2486,7 @@
           <a:p>
             <a:fld id="{8113C0C2-7676-5345-BE9A-98F7043AF4DD}" type="datetime1">
               <a:rPr lang="ru-RU" smtClean="0"/>
-              <a:t>22.06.2022</a:t>
+              <a:t>23.06.2022</a:t>
             </a:fld>
             <a:endParaRPr lang="ru-RU"/>
           </a:p>
@@ -2862,7 +2898,7 @@
           <a:p>
             <a:fld id="{90B733FC-835D-474A-B3B9-01AB6FB64E32}" type="datetime1">
               <a:rPr lang="ru-RU" smtClean="0"/>
-              <a:t>22.06.2022</a:t>
+              <a:t>23.06.2022</a:t>
             </a:fld>
             <a:endParaRPr lang="ru-RU"/>
           </a:p>
@@ -3003,7 +3039,7 @@
           <a:p>
             <a:fld id="{7FA0C197-B064-894F-AF17-6F4A75D0E58D}" type="datetime1">
               <a:rPr lang="ru-RU" smtClean="0"/>
-              <a:t>22.06.2022</a:t>
+              <a:t>23.06.2022</a:t>
             </a:fld>
             <a:endParaRPr lang="ru-RU"/>
           </a:p>
@@ -3116,7 +3152,7 @@
           <a:p>
             <a:fld id="{88F9F636-E859-7A45-AF0B-581E65901AF7}" type="datetime1">
               <a:rPr lang="ru-RU" smtClean="0"/>
-              <a:t>22.06.2022</a:t>
+              <a:t>23.06.2022</a:t>
             </a:fld>
             <a:endParaRPr lang="ru-RU"/>
           </a:p>
@@ -3427,7 +3463,7 @@
           <a:p>
             <a:fld id="{8D28C2E4-2EB6-584E-9085-C7B374CBDEDF}" type="datetime1">
               <a:rPr lang="ru-RU" smtClean="0"/>
-              <a:t>22.06.2022</a:t>
+              <a:t>23.06.2022</a:t>
             </a:fld>
             <a:endParaRPr lang="ru-RU"/>
           </a:p>
@@ -3715,7 +3751,7 @@
           <a:p>
             <a:fld id="{3EFC024C-983A-454C-A119-C3EBA4404621}" type="datetime1">
               <a:rPr lang="ru-RU" smtClean="0"/>
-              <a:t>22.06.2022</a:t>
+              <a:t>23.06.2022</a:t>
             </a:fld>
             <a:endParaRPr lang="ru-RU"/>
           </a:p>
@@ -3956,7 +3992,7 @@
           <a:p>
             <a:fld id="{55E14FC4-A4C6-2841-B711-70CB9FCAC51D}" type="datetime1">
               <a:rPr lang="ru-RU" smtClean="0"/>
-              <a:t>22.06.2022</a:t>
+              <a:t>23.06.2022</a:t>
             </a:fld>
             <a:endParaRPr lang="ru-RU"/>
           </a:p>
@@ -4861,6 +4897,7 @@
           <a:bodyPr/>
           <a:lstStyle/>
           <a:p>
+            <a:pPr algn="ctr"/>
             <a:r>
               <a:rPr lang="ru-RU" dirty="0">
                 <a:cs typeface="Calibri Light"/>
@@ -5041,6 +5078,7 @@
           <a:bodyPr/>
           <a:lstStyle/>
           <a:p>
+            <a:pPr algn="ctr"/>
             <a:r>
               <a:rPr lang="ru-RU" dirty="0"/>
               <a:t>Результаты обучения нейронной сети</a:t>
@@ -5158,6 +5196,7 @@
           <a:bodyPr/>
           <a:lstStyle/>
           <a:p>
+            <a:pPr algn="ctr"/>
             <a:r>
               <a:rPr lang="ru-RU" dirty="0"/>
               <a:t>Точность определения конкретных приложений</a:t>
@@ -5453,6 +5492,7 @@
           <a:bodyPr/>
           <a:lstStyle/>
           <a:p>
+            <a:pPr algn="ctr"/>
             <a:r>
               <a:rPr lang="ru-RU" dirty="0"/>
               <a:t>Заключение по ВКР</a:t>
@@ -5712,6 +5752,7 @@
           <a:bodyPr/>
           <a:lstStyle/>
           <a:p>
+            <a:pPr algn="ctr"/>
             <a:r>
               <a:rPr lang="ru-RU" dirty="0"/>
               <a:t>Цель и задачи, решаемые в работе</a:t>
@@ -5875,6 +5916,7 @@
           <a:bodyPr/>
           <a:lstStyle/>
           <a:p>
+            <a:pPr algn="ctr"/>
             <a:r>
               <a:rPr lang="ru-RU" dirty="0">
                 <a:cs typeface="Calibri Light"/>
@@ -6038,6 +6080,7 @@
           </a:bodyPr>
           <a:lstStyle/>
           <a:p>
+            <a:pPr algn="ctr"/>
             <a:r>
               <a:rPr lang="ru-RU" dirty="0"/>
               <a:t>Пример набора данных</a:t>
@@ -6625,6 +6668,7 @@
           <a:bodyPr/>
           <a:lstStyle/>
           <a:p>
+            <a:pPr algn="ctr"/>
             <a:r>
               <a:rPr lang="ru-RU" dirty="0">
                 <a:ea typeface="Calibri Light"/>
@@ -6896,6 +6940,7 @@
           <a:bodyPr/>
           <a:lstStyle/>
           <a:p>
+            <a:pPr algn="ctr"/>
             <a:r>
               <a:rPr lang="ru-RU" dirty="0"/>
               <a:t>Описание программной части</a:t>
@@ -6922,7 +6967,7 @@
         <p:spPr/>
         <p:txBody>
           <a:bodyPr>
-            <a:normAutofit lnSpcReduction="10000"/>
+            <a:normAutofit/>
           </a:bodyPr>
           <a:lstStyle/>
           <a:p>
@@ -6948,26 +6993,8 @@
             </a:r>
             <a:r>
               <a:rPr lang="en-US" dirty="0"/>
-              <a:t>. </a:t>
-            </a:r>
-            <a:r>
-              <a:rPr lang="ru-RU" dirty="0"/>
-              <a:t>Эта реализация использует стратегию один-к-одному для </a:t>
-            </a:r>
-            <a:r>
-              <a:rPr lang="ru-RU" dirty="0" err="1"/>
-              <a:t>мультиклассовой</a:t>
-            </a:r>
-            <a:r>
-              <a:rPr lang="ru-RU" dirty="0"/>
-              <a:t> классификации, поскольку метод опорных векторов поддерживает только бинарную классификацию.</a:t>
-            </a:r>
-          </a:p>
-          <a:p>
-            <a:pPr marL="0" indent="0">
-              <a:buNone/>
-            </a:pPr>
-            <a:endParaRPr lang="en-US" dirty="0"/>
+              <a:t>.</a:t>
+            </a:r>
           </a:p>
           <a:p>
             <a:r>
@@ -7086,6 +7113,7 @@
           <a:bodyPr/>
           <a:lstStyle/>
           <a:p>
+            <a:pPr algn="ctr"/>
             <a:r>
               <a:rPr lang="ru-RU" dirty="0"/>
               <a:t>Архитектура нейронной сети</a:t>
@@ -7207,6 +7235,7 @@
           <a:bodyPr/>
           <a:lstStyle/>
           <a:p>
+            <a:pPr algn="ctr"/>
             <a:r>
               <a:rPr lang="ru-RU" dirty="0"/>
               <a:t>Граф связей сети</a:t>
@@ -7329,6 +7358,7 @@
           <a:bodyPr/>
           <a:lstStyle/>
           <a:p>
+            <a:pPr algn="ctr"/>
             <a:r>
               <a:rPr lang="ru-RU" dirty="0"/>
               <a:t>Наиболее часто встречаемые приложения</a:t>
